--- a/Vendor_Boards/Great_Cow_Basic_Demo_Board/16F17556_chiprange_demonstrations/tutorials/GCBASIC_Part4A_RotateADCDelay.pptx
+++ b/Vendor_Boards/Great_Cow_Basic_Demo_Board/16F17556_chiprange_demonstrations/tutorials/GCBASIC_Part4A_RotateADCDelay.pptx
@@ -14,7 +14,7 @@
     <p:sldId id="294" r:id="rId2"/>
     <p:sldId id="256" r:id="rId3"/>
     <p:sldId id="295" r:id="rId4"/>
-    <p:sldId id="320" r:id="rId5"/>
+    <p:sldId id="323" r:id="rId5"/>
     <p:sldId id="296" r:id="rId6"/>
     <p:sldId id="282" r:id="rId7"/>
     <p:sldId id="291" r:id="rId8"/>
@@ -221,7 +221,7 @@
             <a:fld id="{742E545A-AB39-44F0-B5A6-04A90C6C9399}" type="datetimeFigureOut">
               <a:rPr lang="en-GB" smtClean="0"/>
               <a:pPr/>
-              <a:t>17/11/2025</a:t>
+              <a:t>23/11/2025</a:t>
             </a:fld>
             <a:endParaRPr lang="en-GB"/>
           </a:p>
@@ -577,7 +577,7 @@
             <a:fld id="{FF100B3C-2E11-428B-8555-A77018253716}" type="datetimeFigureOut">
               <a:rPr lang="en-GB" smtClean="0"/>
               <a:pPr/>
-              <a:t>17/11/2025</a:t>
+              <a:t>23/11/2025</a:t>
             </a:fld>
             <a:endParaRPr lang="en-GB"/>
           </a:p>
@@ -870,7 +870,7 @@
           <p:cNvPr id="7" name="Rectangle 6">
             <a:extLst>
               <a:ext uri="{FF2B5EF4-FFF2-40B4-BE49-F238E27FC236}">
-                <a16:creationId xmlns:a16="http://schemas.microsoft.com/office/drawing/2014/main" xmlns="" id="{9C757326-0232-4CDF-81FF-302CA676961B}"/>
+                <a16:creationId xmlns="" xmlns:a16="http://schemas.microsoft.com/office/drawing/2014/main" id="{9C757326-0232-4CDF-81FF-302CA676961B}"/>
               </a:ext>
             </a:extLst>
           </p:cNvPr>
@@ -922,7 +922,7 @@
           <p:cNvPr id="8" name="Picture 7">
             <a:extLst>
               <a:ext uri="{FF2B5EF4-FFF2-40B4-BE49-F238E27FC236}">
-                <a16:creationId xmlns:a16="http://schemas.microsoft.com/office/drawing/2014/main" xmlns="" id="{4987E008-68E6-4A43-85BC-1A6ACDF91DE1}"/>
+                <a16:creationId xmlns="" xmlns:a16="http://schemas.microsoft.com/office/drawing/2014/main" id="{4987E008-68E6-4A43-85BC-1A6ACDF91DE1}"/>
               </a:ext>
             </a:extLst>
           </p:cNvPr>
@@ -951,7 +951,7 @@
           <p:cNvPr id="11" name="Picture 10">
             <a:extLst>
               <a:ext uri="{FF2B5EF4-FFF2-40B4-BE49-F238E27FC236}">
-                <a16:creationId xmlns:a16="http://schemas.microsoft.com/office/drawing/2014/main" xmlns="" id="{A1F8C892-C868-4DF6-91AB-B18CE632B10F}"/>
+                <a16:creationId xmlns="" xmlns:a16="http://schemas.microsoft.com/office/drawing/2014/main" id="{A1F8C892-C868-4DF6-91AB-B18CE632B10F}"/>
               </a:ext>
             </a:extLst>
           </p:cNvPr>
@@ -1137,7 +1137,7 @@
           <p:cNvPr id="12" name="Text Placeholder 2">
             <a:extLst>
               <a:ext uri="{FF2B5EF4-FFF2-40B4-BE49-F238E27FC236}">
-                <a16:creationId xmlns:a16="http://schemas.microsoft.com/office/drawing/2014/main" xmlns="" id="{D547E580-E6D6-4D97-BB04-05795A830147}"/>
+                <a16:creationId xmlns="" xmlns:a16="http://schemas.microsoft.com/office/drawing/2014/main" id="{D547E580-E6D6-4D97-BB04-05795A830147}"/>
               </a:ext>
             </a:extLst>
           </p:cNvPr>
@@ -1290,7 +1290,7 @@
           <p:cNvPr id="9" name="Picture 8">
             <a:extLst>
               <a:ext uri="{FF2B5EF4-FFF2-40B4-BE49-F238E27FC236}">
-                <a16:creationId xmlns:a16="http://schemas.microsoft.com/office/drawing/2014/main" xmlns="" id="{7CE2C968-D10A-4226-8FDC-CBC4C7EDD0B7}"/>
+                <a16:creationId xmlns="" xmlns:a16="http://schemas.microsoft.com/office/drawing/2014/main" id="{7CE2C968-D10A-4226-8FDC-CBC4C7EDD0B7}"/>
               </a:ext>
             </a:extLst>
           </p:cNvPr>
@@ -1492,7 +1492,7 @@
             <a:fld id="{C473AACB-D821-4991-9D88-46EB8D29E619}" type="datetimeFigureOut">
               <a:rPr lang="en-GB" smtClean="0"/>
               <a:pPr/>
-              <a:t>17/11/2025</a:t>
+              <a:t>23/11/2025</a:t>
             </a:fld>
             <a:endParaRPr lang="en-GB" dirty="0"/>
           </a:p>
@@ -1576,7 +1576,7 @@
           <p:cNvPr id="9" name="Picture 8">
             <a:extLst>
               <a:ext uri="{FF2B5EF4-FFF2-40B4-BE49-F238E27FC236}">
-                <a16:creationId xmlns:a16="http://schemas.microsoft.com/office/drawing/2014/main" xmlns="" id="{6AB5D66D-00C1-40EA-BFC8-305566F10369}"/>
+                <a16:creationId xmlns="" xmlns:a16="http://schemas.microsoft.com/office/drawing/2014/main" id="{6AB5D66D-00C1-40EA-BFC8-305566F10369}"/>
               </a:ext>
             </a:extLst>
           </p:cNvPr>
@@ -1786,7 +1786,7 @@
             <a:fld id="{C473AACB-D821-4991-9D88-46EB8D29E619}" type="datetimeFigureOut">
               <a:rPr lang="en-GB" smtClean="0"/>
               <a:pPr/>
-              <a:t>17/11/2025</a:t>
+              <a:t>23/11/2025</a:t>
             </a:fld>
             <a:endParaRPr lang="en-GB" dirty="0"/>
           </a:p>
@@ -2039,7 +2039,7 @@
             <a:fld id="{C473AACB-D821-4991-9D88-46EB8D29E619}" type="datetimeFigureOut">
               <a:rPr lang="en-GB" smtClean="0"/>
               <a:pPr/>
-              <a:t>17/11/2025</a:t>
+              <a:t>23/11/2025</a:t>
             </a:fld>
             <a:endParaRPr lang="en-GB" dirty="0"/>
           </a:p>
@@ -2093,7 +2093,7 @@
           <p:cNvPr id="8" name="Picture 7">
             <a:extLst>
               <a:ext uri="{FF2B5EF4-FFF2-40B4-BE49-F238E27FC236}">
-                <a16:creationId xmlns:a16="http://schemas.microsoft.com/office/drawing/2014/main" xmlns="" id="{AD4D4CB4-D965-4BB6-B218-086244C13BAE}"/>
+                <a16:creationId xmlns="" xmlns:a16="http://schemas.microsoft.com/office/drawing/2014/main" id="{AD4D4CB4-D965-4BB6-B218-086244C13BAE}"/>
               </a:ext>
             </a:extLst>
           </p:cNvPr>
@@ -2384,7 +2384,7 @@
             <a:fld id="{C473AACB-D821-4991-9D88-46EB8D29E619}" type="datetimeFigureOut">
               <a:rPr lang="en-GB" smtClean="0"/>
               <a:pPr/>
-              <a:t>17/11/2025</a:t>
+              <a:t>23/11/2025</a:t>
             </a:fld>
             <a:endParaRPr lang="en-GB" dirty="0"/>
           </a:p>
@@ -2528,7 +2528,7 @@
           <p:cNvPr id="11" name="Picture 10">
             <a:extLst>
               <a:ext uri="{FF2B5EF4-FFF2-40B4-BE49-F238E27FC236}">
-                <a16:creationId xmlns:a16="http://schemas.microsoft.com/office/drawing/2014/main" xmlns="" id="{A3B58C4E-0EF0-466C-9740-EC9F485CBD03}"/>
+                <a16:creationId xmlns="" xmlns:a16="http://schemas.microsoft.com/office/drawing/2014/main" id="{A3B58C4E-0EF0-466C-9740-EC9F485CBD03}"/>
               </a:ext>
             </a:extLst>
           </p:cNvPr>
@@ -2756,7 +2756,7 @@
             <a:fld id="{C473AACB-D821-4991-9D88-46EB8D29E619}" type="datetimeFigureOut">
               <a:rPr lang="en-GB" smtClean="0"/>
               <a:pPr/>
-              <a:t>17/11/2025</a:t>
+              <a:t>23/11/2025</a:t>
             </a:fld>
             <a:endParaRPr lang="en-GB" dirty="0"/>
           </a:p>
@@ -2810,7 +2810,7 @@
           <p:cNvPr id="7" name="Picture 6">
             <a:extLst>
               <a:ext uri="{FF2B5EF4-FFF2-40B4-BE49-F238E27FC236}">
-                <a16:creationId xmlns:a16="http://schemas.microsoft.com/office/drawing/2014/main" xmlns="" id="{2D0B9223-1250-44AA-A6C3-F2013B85AEF3}"/>
+                <a16:creationId xmlns="" xmlns:a16="http://schemas.microsoft.com/office/drawing/2014/main" id="{2D0B9223-1250-44AA-A6C3-F2013B85AEF3}"/>
               </a:ext>
             </a:extLst>
           </p:cNvPr>
@@ -3102,7 +3102,7 @@
             <a:fld id="{C473AACB-D821-4991-9D88-46EB8D29E619}" type="datetimeFigureOut">
               <a:rPr lang="en-GB" smtClean="0"/>
               <a:pPr/>
-              <a:t>17/11/2025</a:t>
+              <a:t>23/11/2025</a:t>
             </a:fld>
             <a:endParaRPr lang="en-GB" dirty="0"/>
           </a:p>
@@ -3238,7 +3238,7 @@
           <p:cNvPr id="11" name="Picture 10">
             <a:extLst>
               <a:ext uri="{FF2B5EF4-FFF2-40B4-BE49-F238E27FC236}">
-                <a16:creationId xmlns:a16="http://schemas.microsoft.com/office/drawing/2014/main" xmlns="" id="{D49E1C7C-7E53-49A2-B2C9-52307876DB7E}"/>
+                <a16:creationId xmlns="" xmlns:a16="http://schemas.microsoft.com/office/drawing/2014/main" id="{D49E1C7C-7E53-49A2-B2C9-52307876DB7E}"/>
               </a:ext>
             </a:extLst>
           </p:cNvPr>
@@ -3526,7 +3526,7 @@
             <a:fld id="{C473AACB-D821-4991-9D88-46EB8D29E619}" type="datetimeFigureOut">
               <a:rPr lang="en-GB" smtClean="0"/>
               <a:pPr/>
-              <a:t>17/11/2025</a:t>
+              <a:t>23/11/2025</a:t>
             </a:fld>
             <a:endParaRPr lang="en-GB" dirty="0"/>
           </a:p>
@@ -3580,7 +3580,7 @@
           <p:cNvPr id="9" name="Picture 8">
             <a:extLst>
               <a:ext uri="{FF2B5EF4-FFF2-40B4-BE49-F238E27FC236}">
-                <a16:creationId xmlns:a16="http://schemas.microsoft.com/office/drawing/2014/main" xmlns="" id="{23082AB0-2BB5-46FE-9A17-15E1ACC06965}"/>
+                <a16:creationId xmlns="" xmlns:a16="http://schemas.microsoft.com/office/drawing/2014/main" id="{23082AB0-2BB5-46FE-9A17-15E1ACC06965}"/>
               </a:ext>
             </a:extLst>
           </p:cNvPr>
@@ -3639,7 +3639,7 @@
           <p:cNvPr id="8" name="Picture 7">
             <a:extLst>
               <a:ext uri="{FF2B5EF4-FFF2-40B4-BE49-F238E27FC236}">
-                <a16:creationId xmlns:a16="http://schemas.microsoft.com/office/drawing/2014/main" xmlns="" id="{1862E859-E5AF-4D76-9FC9-2355B24FF141}"/>
+                <a16:creationId xmlns="" xmlns:a16="http://schemas.microsoft.com/office/drawing/2014/main" id="{1862E859-E5AF-4D76-9FC9-2355B24FF141}"/>
               </a:ext>
             </a:extLst>
           </p:cNvPr>
@@ -3761,7 +3761,7 @@
             <a:fld id="{C473AACB-D821-4991-9D88-46EB8D29E619}" type="datetimeFigureOut">
               <a:rPr lang="en-GB" smtClean="0"/>
               <a:pPr/>
-              <a:t>17/11/2025</a:t>
+              <a:t>23/11/2025</a:t>
             </a:fld>
             <a:endParaRPr lang="en-GB" dirty="0"/>
           </a:p>
@@ -3845,7 +3845,7 @@
           <p:cNvPr id="8" name="Picture 7">
             <a:extLst>
               <a:ext uri="{FF2B5EF4-FFF2-40B4-BE49-F238E27FC236}">
-                <a16:creationId xmlns:a16="http://schemas.microsoft.com/office/drawing/2014/main" xmlns="" id="{91908D0E-7544-4687-965B-72EF64AA4C54}"/>
+                <a16:creationId xmlns="" xmlns:a16="http://schemas.microsoft.com/office/drawing/2014/main" id="{91908D0E-7544-4687-965B-72EF64AA4C54}"/>
               </a:ext>
             </a:extLst>
           </p:cNvPr>
@@ -3972,7 +3972,7 @@
             <a:fld id="{C473AACB-D821-4991-9D88-46EB8D29E619}" type="datetimeFigureOut">
               <a:rPr lang="en-GB" smtClean="0"/>
               <a:pPr/>
-              <a:t>17/11/2025</a:t>
+              <a:t>23/11/2025</a:t>
             </a:fld>
             <a:endParaRPr lang="en-GB" dirty="0"/>
           </a:p>
@@ -4056,7 +4056,7 @@
           <p:cNvPr id="8" name="Picture 7">
             <a:extLst>
               <a:ext uri="{FF2B5EF4-FFF2-40B4-BE49-F238E27FC236}">
-                <a16:creationId xmlns:a16="http://schemas.microsoft.com/office/drawing/2014/main" xmlns="" id="{5B5B8CA2-02D4-408C-B548-182D4F5F54B2}"/>
+                <a16:creationId xmlns="" xmlns:a16="http://schemas.microsoft.com/office/drawing/2014/main" id="{5B5B8CA2-02D4-408C-B548-182D4F5F54B2}"/>
               </a:ext>
             </a:extLst>
           </p:cNvPr>
@@ -4190,7 +4190,7 @@
             <a:fld id="{C473AACB-D821-4991-9D88-46EB8D29E619}" type="datetimeFigureOut">
               <a:rPr lang="en-GB" smtClean="0"/>
               <a:pPr/>
-              <a:t>17/11/2025</a:t>
+              <a:t>23/11/2025</a:t>
             </a:fld>
             <a:endParaRPr lang="en-GB" dirty="0"/>
           </a:p>
@@ -4274,7 +4274,7 @@
           <p:cNvPr id="11" name="Picture 10">
             <a:extLst>
               <a:ext uri="{FF2B5EF4-FFF2-40B4-BE49-F238E27FC236}">
-                <a16:creationId xmlns:a16="http://schemas.microsoft.com/office/drawing/2014/main" xmlns="" id="{EA8DB33B-8BF9-4C99-B31C-55246227EFDE}"/>
+                <a16:creationId xmlns="" xmlns:a16="http://schemas.microsoft.com/office/drawing/2014/main" id="{EA8DB33B-8BF9-4C99-B31C-55246227EFDE}"/>
               </a:ext>
             </a:extLst>
           </p:cNvPr>
@@ -5005,7 +5005,7 @@
             <a:fld id="{C473AACB-D821-4991-9D88-46EB8D29E619}" type="datetimeFigureOut">
               <a:rPr lang="en-GB" smtClean="0"/>
               <a:pPr/>
-              <a:t>17/11/2025</a:t>
+              <a:t>23/11/2025</a:t>
             </a:fld>
             <a:endParaRPr lang="en-GB" dirty="0"/>
           </a:p>
@@ -5089,7 +5089,7 @@
           <p:cNvPr id="11" name="Picture 10">
             <a:extLst>
               <a:ext uri="{FF2B5EF4-FFF2-40B4-BE49-F238E27FC236}">
-                <a16:creationId xmlns:a16="http://schemas.microsoft.com/office/drawing/2014/main" xmlns="" id="{EA8DB33B-8BF9-4C99-B31C-55246227EFDE}"/>
+                <a16:creationId xmlns="" xmlns:a16="http://schemas.microsoft.com/office/drawing/2014/main" id="{EA8DB33B-8BF9-4C99-B31C-55246227EFDE}"/>
               </a:ext>
             </a:extLst>
           </p:cNvPr>
@@ -5819,7 +5819,7 @@
             <a:fld id="{C473AACB-D821-4991-9D88-46EB8D29E619}" type="datetimeFigureOut">
               <a:rPr lang="en-GB" smtClean="0"/>
               <a:pPr/>
-              <a:t>17/11/2025</a:t>
+              <a:t>23/11/2025</a:t>
             </a:fld>
             <a:endParaRPr lang="en-GB" dirty="0"/>
           </a:p>
@@ -6068,7 +6068,7 @@
             <a:fld id="{C473AACB-D821-4991-9D88-46EB8D29E619}" type="datetimeFigureOut">
               <a:rPr lang="en-GB" smtClean="0"/>
               <a:pPr/>
-              <a:t>17/11/2025</a:t>
+              <a:t>23/11/2025</a:t>
             </a:fld>
             <a:endParaRPr lang="en-GB" dirty="0"/>
           </a:p>
@@ -6122,7 +6122,7 @@
           <p:cNvPr id="7" name="Picture 6">
             <a:extLst>
               <a:ext uri="{FF2B5EF4-FFF2-40B4-BE49-F238E27FC236}">
-                <a16:creationId xmlns:a16="http://schemas.microsoft.com/office/drawing/2014/main" xmlns="" id="{6331EFED-43C1-4CBA-8BE3-308E3AA13B9B}"/>
+                <a16:creationId xmlns="" xmlns:a16="http://schemas.microsoft.com/office/drawing/2014/main" id="{6331EFED-43C1-4CBA-8BE3-308E3AA13B9B}"/>
               </a:ext>
             </a:extLst>
           </p:cNvPr>
@@ -6332,7 +6332,7 @@
             <a:fld id="{C473AACB-D821-4991-9D88-46EB8D29E619}" type="datetimeFigureOut">
               <a:rPr lang="en-GB" smtClean="0"/>
               <a:pPr/>
-              <a:t>17/11/2025</a:t>
+              <a:t>23/11/2025</a:t>
             </a:fld>
             <a:endParaRPr lang="en-GB" dirty="0"/>
           </a:p>
@@ -6386,7 +6386,7 @@
           <p:cNvPr id="9" name="Picture 8">
             <a:extLst>
               <a:ext uri="{FF2B5EF4-FFF2-40B4-BE49-F238E27FC236}">
-                <a16:creationId xmlns:a16="http://schemas.microsoft.com/office/drawing/2014/main" xmlns="" id="{1034EA63-4BE3-4A73-A7E6-4A75BE4C1D48}"/>
+                <a16:creationId xmlns="" xmlns:a16="http://schemas.microsoft.com/office/drawing/2014/main" id="{1034EA63-4BE3-4A73-A7E6-4A75BE4C1D48}"/>
               </a:ext>
             </a:extLst>
           </p:cNvPr>
@@ -6445,7 +6445,7 @@
           <p:cNvPr id="10" name="Picture 9">
             <a:extLst>
               <a:ext uri="{FF2B5EF4-FFF2-40B4-BE49-F238E27FC236}">
-                <a16:creationId xmlns:a16="http://schemas.microsoft.com/office/drawing/2014/main" xmlns="" id="{204DC1E6-B5F4-4160-90F3-351FB3242E92}"/>
+                <a16:creationId xmlns="" xmlns:a16="http://schemas.microsoft.com/office/drawing/2014/main" id="{204DC1E6-B5F4-4160-90F3-351FB3242E92}"/>
               </a:ext>
             </a:extLst>
           </p:cNvPr>
@@ -6772,7 +6772,7 @@
             <a:fld id="{C473AACB-D821-4991-9D88-46EB8D29E619}" type="datetimeFigureOut">
               <a:rPr lang="en-GB" smtClean="0"/>
               <a:pPr/>
-              <a:t>17/11/2025</a:t>
+              <a:t>23/11/2025</a:t>
             </a:fld>
             <a:endParaRPr lang="en-GB" dirty="0"/>
           </a:p>
@@ -6856,7 +6856,7 @@
           <p:cNvPr id="6" name="Picture 5">
             <a:extLst>
               <a:ext uri="{FF2B5EF4-FFF2-40B4-BE49-F238E27FC236}">
-                <a16:creationId xmlns:a16="http://schemas.microsoft.com/office/drawing/2014/main" xmlns="" id="{E7897C67-3827-4595-8E3A-71E9F2EAB3AF}"/>
+                <a16:creationId xmlns="" xmlns:a16="http://schemas.microsoft.com/office/drawing/2014/main" id="{E7897C67-3827-4595-8E3A-71E9F2EAB3AF}"/>
               </a:ext>
             </a:extLst>
           </p:cNvPr>
@@ -6927,7 +6927,7 @@
             <a:fld id="{C473AACB-D821-4991-9D88-46EB8D29E619}" type="datetimeFigureOut">
               <a:rPr lang="en-GB" smtClean="0"/>
               <a:pPr/>
-              <a:t>17/11/2025</a:t>
+              <a:t>23/11/2025</a:t>
             </a:fld>
             <a:endParaRPr lang="en-GB" dirty="0"/>
           </a:p>
@@ -7024,7 +7024,7 @@
             <a:fld id="{C473AACB-D821-4991-9D88-46EB8D29E619}" type="datetimeFigureOut">
               <a:rPr lang="en-GB" smtClean="0"/>
               <a:pPr/>
-              <a:t>17/11/2025</a:t>
+              <a:t>23/11/2025</a:t>
             </a:fld>
             <a:endParaRPr lang="en-GB" dirty="0"/>
           </a:p>
@@ -7078,7 +7078,7 @@
           <p:cNvPr id="6" name="Picture 5">
             <a:extLst>
               <a:ext uri="{FF2B5EF4-FFF2-40B4-BE49-F238E27FC236}">
-                <a16:creationId xmlns:a16="http://schemas.microsoft.com/office/drawing/2014/main" xmlns="" id="{F1825398-026A-4668-BB48-C16AD1C9062B}"/>
+                <a16:creationId xmlns="" xmlns:a16="http://schemas.microsoft.com/office/drawing/2014/main" id="{F1825398-026A-4668-BB48-C16AD1C9062B}"/>
               </a:ext>
             </a:extLst>
           </p:cNvPr>
@@ -7801,7 +7801,7 @@
             <a:fld id="{C473AACB-D821-4991-9D88-46EB8D29E619}" type="datetimeFigureOut">
               <a:rPr lang="en-GB" smtClean="0"/>
               <a:pPr/>
-              <a:t>17/11/2025</a:t>
+              <a:t>23/11/2025</a:t>
             </a:fld>
             <a:endParaRPr lang="en-GB" dirty="0"/>
           </a:p>
@@ -8716,13 +8716,8 @@
             </a:pPr>
             <a:r>
               <a:rPr lang="en-GB" sz="1600" dirty="0" smtClean="0"/>
-              <a:t>GCBASIC makes the process easy via the </a:t>
-            </a:r>
-            <a:r>
-              <a:rPr lang="en-GB" sz="1600" dirty="0" smtClean="0"/>
-              <a:t>ReadAD12()</a:t>
-            </a:r>
-            <a:endParaRPr lang="en-GB" sz="1600" dirty="0" smtClean="0"/>
+              <a:t>GCBASIC makes the process easy via the ReadAD12()</a:t>
+            </a:r>
           </a:p>
           <a:p>
             <a:pPr marL="825368" lvl="1" indent="-400050">
@@ -8731,11 +8726,7 @@
             </a:pPr>
             <a:r>
               <a:rPr lang="en-GB" sz="1600" dirty="0" smtClean="0"/>
-              <a:t>ReadAD12 </a:t>
-            </a:r>
-            <a:r>
-              <a:rPr lang="en-GB" sz="1600" dirty="0" smtClean="0"/>
-              <a:t>returns a value of 0 to 4095</a:t>
+              <a:t>ReadAD12 returns a value of 0 to 4095</a:t>
             </a:r>
           </a:p>
           <a:p>
@@ -20196,19 +20187,7 @@
           <a:p>
             <a:r>
               <a:rPr lang="en-GB" dirty="0" smtClean="0"/>
-              <a:t>( </a:t>
-            </a:r>
-            <a:r>
-              <a:rPr lang="en-GB" dirty="0" smtClean="0"/>
-              <a:t>50 </a:t>
-            </a:r>
-            <a:r>
-              <a:rPr lang="en-GB" dirty="0" smtClean="0"/>
-              <a:t>– </a:t>
-            </a:r>
-            <a:r>
-              <a:rPr lang="en-GB" dirty="0" smtClean="0"/>
-              <a:t>1000)</a:t>
+              <a:t>( 50 – 1000)</a:t>
             </a:r>
             <a:endParaRPr lang="en-GB" dirty="0"/>
           </a:p>
@@ -21671,7 +21650,7 @@
             <a:fld id="{1E700B27-DE4C-4B9E-BB11-B9027034A00F}" type="datetimeFigureOut">
               <a:rPr lang="en-US" smtClean="0"/>
               <a:pPr/>
-              <a:t>11/17/2025</a:t>
+              <a:t>11/23/2025</a:t>
             </a:fld>
             <a:endParaRPr lang="en-US" dirty="0"/>
           </a:p>
@@ -21788,7 +21767,7 @@
 </file>
 
 <file path=ppt/slides/slide4.xml><?xml version="1.0" encoding="utf-8"?>
-<p:sld xmlns:a="http://schemas.openxmlformats.org/drawingml/2006/main" xmlns:r="http://schemas.openxmlformats.org/officeDocument/2006/relationships" xmlns:p="http://schemas.openxmlformats.org/presentationml/2006/main" show="0">
+<p:sld xmlns:a="http://schemas.openxmlformats.org/drawingml/2006/main" xmlns:r="http://schemas.openxmlformats.org/officeDocument/2006/relationships" xmlns:p="http://schemas.openxmlformats.org/presentationml/2006/main">
   <p:cSld>
     <p:spTree>
       <p:nvGrpSpPr>
@@ -21841,79 +21820,120 @@
         <p:spPr/>
         <p:txBody>
           <a:bodyPr>
-            <a:normAutofit fontScale="92500" lnSpcReduction="10000"/>
+            <a:normAutofit fontScale="92500"/>
           </a:bodyPr>
           <a:lstStyle/>
           <a:p>
             <a:r>
               <a:rPr lang="en-GB" dirty="0" smtClean="0"/>
-              <a:t>PIC18-Q24 is a high performance PIC18 </a:t>
+              <a:t>PIC16165xx  is a high performance PIC16</a:t>
             </a:r>
           </a:p>
           <a:p>
             <a:pPr lvl="1"/>
             <a:r>
+              <a:rPr lang="en-GB" b="1" dirty="0"/>
+              <a:t>Digital and </a:t>
+            </a:r>
+            <a:r>
+              <a:rPr lang="en-GB" b="1" dirty="0" err="1"/>
+              <a:t>analog</a:t>
+            </a:r>
+            <a:r>
+              <a:rPr lang="en-GB" b="1" dirty="0"/>
+              <a:t> peripherals</a:t>
+            </a:r>
+            <a:r>
+              <a:rPr lang="en-GB" dirty="0"/>
+              <a:t> for flexible embedded control</a:t>
+            </a:r>
+          </a:p>
+          <a:p>
+            <a:pPr lvl="1"/>
+            <a:r>
+              <a:rPr lang="en-GB" b="1" dirty="0"/>
+              <a:t>10-bit ADC</a:t>
+            </a:r>
+            <a:r>
+              <a:rPr lang="en-GB" dirty="0"/>
+              <a:t> for accurate </a:t>
+            </a:r>
+            <a:r>
+              <a:rPr lang="en-GB" dirty="0" err="1"/>
+              <a:t>analog</a:t>
+            </a:r>
+            <a:r>
+              <a:rPr lang="en-GB" dirty="0"/>
+              <a:t> signal conversion</a:t>
+            </a:r>
+          </a:p>
+          <a:p>
+            <a:pPr lvl="1"/>
+            <a:r>
+              <a:rPr lang="en-GB" b="1" dirty="0"/>
+              <a:t>Multiple communication interfaces</a:t>
+            </a:r>
+            <a:r>
+              <a:rPr lang="en-GB" dirty="0"/>
+              <a:t> including UART (serial), I²C, and SPI</a:t>
+            </a:r>
+          </a:p>
+          <a:p>
+            <a:pPr lvl="1"/>
+            <a:r>
+              <a:rPr lang="en-GB" b="1" dirty="0"/>
+              <a:t>PWM modules</a:t>
+            </a:r>
+            <a:r>
+              <a:rPr lang="en-GB" dirty="0"/>
+              <a:t> with CCP and 16-bit resolution for precise timing and motor control</a:t>
+            </a:r>
+          </a:p>
+          <a:p>
+            <a:pPr lvl="1"/>
+            <a:r>
+              <a:rPr lang="en-GB" b="1" dirty="0"/>
+              <a:t>Configurable Logic Cells (CLCs)</a:t>
+            </a:r>
+            <a:r>
+              <a:rPr lang="en-GB" dirty="0"/>
+              <a:t> for custom hardware-level logic without external components</a:t>
+            </a:r>
+          </a:p>
+          <a:p>
+            <a:pPr lvl="1"/>
+            <a:r>
+              <a:rPr lang="en-GB" b="1" dirty="0"/>
+              <a:t>Integrated op amps</a:t>
+            </a:r>
+            <a:r>
+              <a:rPr lang="en-GB" dirty="0"/>
+              <a:t> for </a:t>
+            </a:r>
+            <a:r>
+              <a:rPr lang="en-GB" dirty="0" err="1"/>
+              <a:t>onboard</a:t>
+            </a:r>
+            <a:r>
+              <a:rPr lang="en-GB" dirty="0"/>
+              <a:t> </a:t>
+            </a:r>
+            <a:r>
+              <a:rPr lang="en-GB" dirty="0" err="1"/>
+              <a:t>analog</a:t>
+            </a:r>
+            <a:r>
+              <a:rPr lang="en-GB" dirty="0"/>
+              <a:t> signal conditioning and amplification</a:t>
+            </a:r>
+          </a:p>
+          <a:p>
+            <a:endParaRPr lang="en-GB" dirty="0" smtClean="0"/>
+          </a:p>
+          <a:p>
+            <a:r>
               <a:rPr lang="en-GB" dirty="0" smtClean="0"/>
-              <a:t>Digital and </a:t>
-            </a:r>
-            <a:r>
-              <a:rPr lang="en-GB" dirty="0" err="1" smtClean="0"/>
-              <a:t>Analog</a:t>
-            </a:r>
-            <a:r>
-              <a:rPr lang="en-GB" dirty="0" smtClean="0"/>
-              <a:t> peripherals </a:t>
-            </a:r>
-          </a:p>
-          <a:p>
-            <a:pPr lvl="1"/>
-            <a:r>
-              <a:rPr lang="en-GB" dirty="0" smtClean="0"/>
-              <a:t>10-bit ADC</a:t>
-            </a:r>
-          </a:p>
-          <a:p>
-            <a:pPr lvl="1"/>
-            <a:r>
-              <a:rPr lang="en-GB" dirty="0" smtClean="0"/>
-              <a:t>Multiple communication interfaces</a:t>
-            </a:r>
-          </a:p>
-          <a:p>
-            <a:pPr lvl="2"/>
-            <a:r>
-              <a:rPr lang="en-GB" dirty="0" smtClean="0"/>
-              <a:t>Serial, I2C and  SPI </a:t>
-            </a:r>
-          </a:p>
-          <a:p>
-            <a:pPr lvl="2"/>
-            <a:r>
-              <a:rPr lang="en-GB" dirty="0" smtClean="0"/>
-              <a:t>PWM – CCP/PWM and 16Bit</a:t>
-            </a:r>
-          </a:p>
-          <a:p>
-            <a:pPr lvl="1"/>
-            <a:r>
-              <a:rPr lang="en-GB" dirty="0" smtClean="0"/>
-              <a:t>Configurable Logic Cells</a:t>
-            </a:r>
-          </a:p>
-          <a:p>
-            <a:pPr lvl="1"/>
-            <a:r>
-              <a:rPr lang="en-GB" dirty="0" smtClean="0"/>
-              <a:t>Multi voltage domains</a:t>
-            </a:r>
-          </a:p>
-          <a:p>
-            <a:endParaRPr lang="en-GB" dirty="0" smtClean="0"/>
-          </a:p>
-          <a:p>
-            <a:r>
-              <a:rPr lang="en-GB" dirty="0" smtClean="0"/>
-              <a:t>The PIC18xxQ24 offers 28, 40 and 48-pin products in small footprint packages to support customers in a wide variety of applications. </a:t>
+              <a:t>The PIC16175xx offers 14, 20, 28, 40 and 44-pin products in small footprint packages to support customers in a wide variety of applications. </a:t>
             </a:r>
           </a:p>
           <a:p>
@@ -21924,7 +21944,7 @@
     </p:spTree>
     <p:extLst>
       <p:ext uri="{BB962C8B-B14F-4D97-AF65-F5344CB8AC3E}">
-        <p14:creationId xmlns:p14="http://schemas.microsoft.com/office/powerpoint/2010/main" val="2119885663"/>
+        <p14:creationId xmlns:p14="http://schemas.microsoft.com/office/powerpoint/2010/main" val="3701176808"/>
       </p:ext>
     </p:extLst>
   </p:cSld>
@@ -23852,7 +23872,7 @@
   <a:extraClrSchemeLst/>
   <a:extLst>
     <a:ext uri="{05A4C25C-085E-4340-85A3-A5531E510DB2}">
-      <thm15:themeFamily xmlns:thm15="http://schemas.microsoft.com/office/thememl/2012/main" xmlns="" name="GCstudioThemeLight" id="{4C740F94-33C0-4EEC-9234-F56C348A0987}" vid="{A43F8B96-90D8-489D-B80F-92F9D6F351CC}"/>
+      <thm15:themeFamily xmlns="" xmlns:thm15="http://schemas.microsoft.com/office/thememl/2012/main" name="GCstudioThemeLight" id="{4C740F94-33C0-4EEC-9234-F56C348A0987}" vid="{A43F8B96-90D8-489D-B80F-92F9D6F351CC}"/>
     </a:ext>
   </a:extLst>
 </a:theme>
